--- a/conclusão/Pitch.pptx
+++ b/conclusão/Pitch.pptx
@@ -15382,8 +15382,8 @@
         </p:nvSpPr>
         <p:spPr bwMode="auto">
           <a:xfrm flipH="0" flipV="0">
-            <a:off x="5457014" y="1945916"/>
-            <a:ext cx="5483278" cy="2651755"/>
+            <a:off x="5457013" y="1945915"/>
+            <a:ext cx="5483637" cy="2651753"/>
           </a:xfrm>
           <a:prstGeom prst="rect">
             <a:avLst/>
@@ -15422,7 +15422,7 @@
                 <a:ea typeface="Arial"/>
                 <a:cs typeface="Arial"/>
               </a:rPr>
-              <a:t>Desenha o C4 nível 4;</a:t>
+              <a:t>Desenhar o C4 nível 4;</a:t>
             </a:r>
             <a:endParaRPr lang="pt-BR" sz="1200" b="0" i="0" u="none" strike="noStrike" cap="none">
               <a:solidFill>
@@ -15705,7 +15705,7 @@
                   <a:schemeClr val="bg1"/>
                 </a:solidFill>
               </a:rPr>
-              <a:t>Criar reunião rápidas para atualizar os envolvidos, dos ganhos obtidos;</a:t>
+              <a:t>Criar reuniões rápidas para atualizar os envolvidos;</a:t>
             </a:r>
             <a:endParaRPr sz="1200">
               <a:solidFill>
@@ -16852,8 +16852,8 @@
         </p:nvSpPr>
         <p:spPr bwMode="auto">
           <a:xfrm>
-            <a:off x="5094482" y="1801353"/>
-            <a:ext cx="6130436" cy="2310379"/>
+            <a:off x="5094481" y="1801352"/>
+            <a:ext cx="6130543" cy="2310379"/>
           </a:xfrm>
           <a:prstGeom prst="rect">
             <a:avLst/>
@@ -16904,7 +16904,7 @@
                   <a:schemeClr val="lt1"/>
                 </a:solidFill>
               </a:rPr>
-              <a:t>Esse processo foi desenhado em um tempo onde não havia conexão móvel, o que gerou um estrutura que somente era passível de operação dentro da rede interna.</a:t>
+              <a:t>Esse processo foi desenhado em um tempo onde não havia conexão móvel, o que gerou uma estrutura que somente era passível de operação dentro da rede interna.</a:t>
             </a:r>
             <a:endParaRPr lang="pt-BR">
               <a:solidFill>
@@ -16926,7 +16926,7 @@
                   <a:schemeClr val="lt1"/>
                 </a:solidFill>
               </a:rPr>
-              <a:t>Além disso, o processo não era tolerante a falhas, não era reativo a eventos e constantemente gerava falhar graves que afetavam todo setor comercial.</a:t>
+              <a:t>Além disso, o processo não era tolerante a falhas, não era reativo a eventos e constantemente gerava falhas graves que afetavam todo setor comercial.</a:t>
             </a:r>
             <a:endParaRPr lang="pt-BR"/>
           </a:p>
@@ -17182,8 +17182,8 @@
         </p:nvSpPr>
         <p:spPr bwMode="auto">
           <a:xfrm>
-            <a:off x="5128661" y="1198069"/>
-            <a:ext cx="5816089" cy="3419851"/>
+            <a:off x="5128660" y="1198068"/>
+            <a:ext cx="5816160" cy="3419851"/>
           </a:xfrm>
           <a:prstGeom prst="rect">
             <a:avLst/>
@@ -17694,8 +17694,8 @@
         </p:nvSpPr>
         <p:spPr bwMode="auto">
           <a:xfrm>
-            <a:off x="5236821" y="2150843"/>
-            <a:ext cx="5813173" cy="2033011"/>
+            <a:off x="5236821" y="2150842"/>
+            <a:ext cx="5813424" cy="1755643"/>
           </a:xfrm>
           <a:prstGeom prst="rect">
             <a:avLst/>
@@ -17725,7 +17725,7 @@
                   <a:schemeClr val="lt1"/>
                 </a:solidFill>
               </a:rPr>
-              <a:t>Usar tecnologias mais modernas, como rest APIs para expor serviços</a:t>
+              <a:t>Usar tecnologias mais modernas, como REST para expor serviços</a:t>
             </a:r>
             <a:r>
               <a:rPr lang="pt-BR">
@@ -17796,7 +17796,7 @@
                   <a:schemeClr val="lt1"/>
                 </a:solidFill>
               </a:rPr>
-              <a:t>Separa responsabilidades em microsserviços;</a:t>
+              <a:t>Separar responsabilidades em microsserviços;</a:t>
             </a:r>
             <a:endParaRPr lang="pt-BR">
               <a:solidFill>
@@ -18255,8 +18255,8 @@
         </p:nvSpPr>
         <p:spPr bwMode="auto">
           <a:xfrm>
-            <a:off x="5381277" y="1715255"/>
-            <a:ext cx="5567329" cy="2011675"/>
+            <a:off x="5381276" y="1715254"/>
+            <a:ext cx="5567400" cy="2011675"/>
           </a:xfrm>
           <a:prstGeom prst="rect">
             <a:avLst/>
@@ -18379,7 +18379,7 @@
                   <a:schemeClr val="bg1"/>
                 </a:solidFill>
               </a:rPr>
-              <a:t>Tolerância a falhar;</a:t>
+              <a:t>Tolerância a falhas;</a:t>
             </a:r>
             <a:endParaRPr lang="pt-BR">
               <a:solidFill>
